--- a/M3_Seurat_Processing/M3_Seurat.pptx
+++ b/M3_Seurat_Processing/M3_Seurat.pptx
@@ -199,7 +199,7 @@
           <a:p>
             <a:fld id="{FF40CFF0-3E11-4AF6-9747-7919C58FBC48}" type="datetimeFigureOut">
               <a:rPr lang="en-US" smtClean="0"/>
-              <a:t>1/2/24</a:t>
+              <a:t>1/3/24</a:t>
             </a:fld>
             <a:endParaRPr lang="en-US"/>
           </a:p>
@@ -815,7 +815,7 @@
           <a:p>
             <a:fld id="{9F69634C-F75C-45F7-A87A-C5E2AF3ECA41}" type="datetimeFigureOut">
               <a:rPr lang="en-US" smtClean="0"/>
-              <a:t>1/2/24</a:t>
+              <a:t>1/3/24</a:t>
             </a:fld>
             <a:endParaRPr lang="en-US"/>
           </a:p>
@@ -979,7 +979,7 @@
           <a:p>
             <a:fld id="{9F69634C-F75C-45F7-A87A-C5E2AF3ECA41}" type="datetimeFigureOut">
               <a:rPr lang="en-US" smtClean="0"/>
-              <a:t>1/2/24</a:t>
+              <a:t>1/3/24</a:t>
             </a:fld>
             <a:endParaRPr lang="en-US"/>
           </a:p>
@@ -1182,7 +1182,7 @@
           <a:p>
             <a:fld id="{9F69634C-F75C-45F7-A87A-C5E2AF3ECA41}" type="datetimeFigureOut">
               <a:rPr lang="en-US" smtClean="0"/>
-              <a:t>1/2/24</a:t>
+              <a:t>1/3/24</a:t>
             </a:fld>
             <a:endParaRPr lang="en-US"/>
           </a:p>
@@ -1447,7 +1447,7 @@
           <a:p>
             <a:fld id="{9F69634C-F75C-45F7-A87A-C5E2AF3ECA41}" type="datetimeFigureOut">
               <a:rPr lang="en-US" smtClean="0"/>
-              <a:t>1/2/24</a:t>
+              <a:t>1/3/24</a:t>
             </a:fld>
             <a:endParaRPr lang="en-US"/>
           </a:p>
@@ -1560,7 +1560,7 @@
           <a:p>
             <a:fld id="{9F69634C-F75C-45F7-A87A-C5E2AF3ECA41}" type="datetimeFigureOut">
               <a:rPr lang="en-US" smtClean="0"/>
-              <a:t>1/2/24</a:t>
+              <a:t>1/3/24</a:t>
             </a:fld>
             <a:endParaRPr lang="en-US"/>
           </a:p>
@@ -1801,7 +1801,7 @@
           <a:p>
             <a:fld id="{9F69634C-F75C-45F7-A87A-C5E2AF3ECA41}" type="datetimeFigureOut">
               <a:rPr lang="en-US" smtClean="0"/>
-              <a:t>1/2/24</a:t>
+              <a:t>1/3/24</a:t>
             </a:fld>
             <a:endParaRPr lang="en-US"/>
           </a:p>

--- a/M3_Seurat_Processing/M3_Seurat.pptx
+++ b/M3_Seurat_Processing/M3_Seurat.pptx
@@ -4288,7 +4288,7 @@
         <p:spPr>
           <a:xfrm>
             <a:off x="2719100" y="4071830"/>
-            <a:ext cx="1735411" cy="369332"/>
+            <a:ext cx="1951368" cy="369332"/>
           </a:xfrm>
           <a:prstGeom prst="rect">
             <a:avLst/>
@@ -4303,7 +4303,7 @@
           <a:p>
             <a:r>
               <a:rPr lang="en-US" dirty="0"/>
-              <a:t>Enrich Metadata</a:t>
+              <a:t>Metadata Curation</a:t>
             </a:r>
           </a:p>
         </p:txBody>
